--- a/images/theory_analysis/Container_Network_Interface/CNI.pptx
+++ b/images/theory_analysis/Container_Network_Interface/CNI.pptx
@@ -109,7 +109,7 @@
   </p:defaultTextStyle>
   <p:extLst>
     <p:ext uri="{EFAFB233-063F-42B5-8137-9DF3F51BA10A}">
-      <p15:sldGuideLst xmlns="" xmlns:p15="http://schemas.microsoft.com/office/powerpoint/2012/main">
+      <p15:sldGuideLst xmlns:p15="http://schemas.microsoft.com/office/powerpoint/2012/main">
         <p15:guide id="1" orient="horz" pos="2160">
           <p15:clr>
             <a:srgbClr val="A4A3A4"/>
@@ -213,7 +213,7 @@
           <a:p>
             <a:fld id="{6CD5550B-26C4-49A9-A5BA-636EF7BE6CE9}" type="datetimeFigureOut">
               <a:rPr lang="ko-KR" altLang="en-US" smtClean="0"/>
-              <a:t>2018-06-20</a:t>
+              <a:t>2019-10-18</a:t>
             </a:fld>
             <a:endParaRPr lang="ko-KR" altLang="en-US"/>
           </a:p>
@@ -743,7 +743,7 @@
           <a:p>
             <a:fld id="{FB30EDBD-1C2D-4C1E-B459-B60219FAB484}" type="datetimeFigureOut">
               <a:rPr lang="ko-KR" altLang="en-US" smtClean="0"/>
-              <a:t>2018-06-20</a:t>
+              <a:t>2019-10-18</a:t>
             </a:fld>
             <a:endParaRPr lang="ko-KR" altLang="en-US"/>
           </a:p>
@@ -906,7 +906,7 @@
           <a:p>
             <a:fld id="{FB30EDBD-1C2D-4C1E-B459-B60219FAB484}" type="datetimeFigureOut">
               <a:rPr lang="ko-KR" altLang="en-US" smtClean="0"/>
-              <a:t>2018-06-20</a:t>
+              <a:t>2019-10-18</a:t>
             </a:fld>
             <a:endParaRPr lang="ko-KR" altLang="en-US"/>
           </a:p>
@@ -1079,7 +1079,7 @@
           <a:p>
             <a:fld id="{FB30EDBD-1C2D-4C1E-B459-B60219FAB484}" type="datetimeFigureOut">
               <a:rPr lang="ko-KR" altLang="en-US" smtClean="0"/>
-              <a:t>2018-06-20</a:t>
+              <a:t>2019-10-18</a:t>
             </a:fld>
             <a:endParaRPr lang="ko-KR" altLang="en-US"/>
           </a:p>
@@ -1242,7 +1242,7 @@
           <a:p>
             <a:fld id="{FB30EDBD-1C2D-4C1E-B459-B60219FAB484}" type="datetimeFigureOut">
               <a:rPr lang="ko-KR" altLang="en-US" smtClean="0"/>
-              <a:t>2018-06-20</a:t>
+              <a:t>2019-10-18</a:t>
             </a:fld>
             <a:endParaRPr lang="ko-KR" altLang="en-US"/>
           </a:p>
@@ -1482,7 +1482,7 @@
           <a:p>
             <a:fld id="{FB30EDBD-1C2D-4C1E-B459-B60219FAB484}" type="datetimeFigureOut">
               <a:rPr lang="ko-KR" altLang="en-US" smtClean="0"/>
-              <a:t>2018-06-20</a:t>
+              <a:t>2019-10-18</a:t>
             </a:fld>
             <a:endParaRPr lang="ko-KR" altLang="en-US"/>
           </a:p>
@@ -1762,7 +1762,7 @@
           <a:p>
             <a:fld id="{FB30EDBD-1C2D-4C1E-B459-B60219FAB484}" type="datetimeFigureOut">
               <a:rPr lang="ko-KR" altLang="en-US" smtClean="0"/>
-              <a:t>2018-06-20</a:t>
+              <a:t>2019-10-18</a:t>
             </a:fld>
             <a:endParaRPr lang="ko-KR" altLang="en-US"/>
           </a:p>
@@ -2176,7 +2176,7 @@
           <a:p>
             <a:fld id="{FB30EDBD-1C2D-4C1E-B459-B60219FAB484}" type="datetimeFigureOut">
               <a:rPr lang="ko-KR" altLang="en-US" smtClean="0"/>
-              <a:t>2018-06-20</a:t>
+              <a:t>2019-10-18</a:t>
             </a:fld>
             <a:endParaRPr lang="ko-KR" altLang="en-US"/>
           </a:p>
@@ -2288,7 +2288,7 @@
           <a:p>
             <a:fld id="{FB30EDBD-1C2D-4C1E-B459-B60219FAB484}" type="datetimeFigureOut">
               <a:rPr lang="ko-KR" altLang="en-US" smtClean="0"/>
-              <a:t>2018-06-20</a:t>
+              <a:t>2019-10-18</a:t>
             </a:fld>
             <a:endParaRPr lang="ko-KR" altLang="en-US"/>
           </a:p>
@@ -2378,7 +2378,7 @@
           <a:p>
             <a:fld id="{FB30EDBD-1C2D-4C1E-B459-B60219FAB484}" type="datetimeFigureOut">
               <a:rPr lang="ko-KR" altLang="en-US" smtClean="0"/>
-              <a:t>2018-06-20</a:t>
+              <a:t>2019-10-18</a:t>
             </a:fld>
             <a:endParaRPr lang="ko-KR" altLang="en-US"/>
           </a:p>
@@ -2648,7 +2648,7 @@
           <a:p>
             <a:fld id="{FB30EDBD-1C2D-4C1E-B459-B60219FAB484}" type="datetimeFigureOut">
               <a:rPr lang="ko-KR" altLang="en-US" smtClean="0"/>
-              <a:t>2018-06-20</a:t>
+              <a:t>2019-10-18</a:t>
             </a:fld>
             <a:endParaRPr lang="ko-KR" altLang="en-US"/>
           </a:p>
@@ -2895,7 +2895,7 @@
           <a:p>
             <a:fld id="{FB30EDBD-1C2D-4C1E-B459-B60219FAB484}" type="datetimeFigureOut">
               <a:rPr lang="ko-KR" altLang="en-US" smtClean="0"/>
-              <a:t>2018-06-20</a:t>
+              <a:t>2019-10-18</a:t>
             </a:fld>
             <a:endParaRPr lang="ko-KR" altLang="en-US"/>
           </a:p>
@@ -3101,7 +3101,7 @@
           <a:p>
             <a:fld id="{FB30EDBD-1C2D-4C1E-B459-B60219FAB484}" type="datetimeFigureOut">
               <a:rPr lang="ko-KR" altLang="en-US" smtClean="0"/>
-              <a:t>2018-06-20</a:t>
+              <a:t>2019-10-18</a:t>
             </a:fld>
             <a:endParaRPr lang="ko-KR" altLang="en-US"/>
           </a:p>
@@ -3476,7 +3476,7 @@
           <p:cNvPr id="2" name="제목 1">
             <a:extLst>
               <a:ext uri="{FF2B5EF4-FFF2-40B4-BE49-F238E27FC236}">
-                <a16:creationId xmlns="" xmlns:a16="http://schemas.microsoft.com/office/drawing/2014/main" id="{8738443D-5E72-49E2-86AC-581D61C41C39}"/>
+                <a16:creationId xmlns:a16="http://schemas.microsoft.com/office/drawing/2014/main" id="{8738443D-5E72-49E2-86AC-581D61C41C39}"/>
               </a:ext>
             </a:extLst>
           </p:cNvPr>
@@ -3498,7 +3498,7 @@
           <a:lstStyle/>
           <a:p>
             <a:r>
-              <a:rPr lang="en-US" altLang="ko-KR" dirty="0" err="1" smtClean="0"/>
+              <a:rPr lang="en-US" altLang="ko-KR" dirty="0" err="1"/>
               <a:t>CNI</a:t>
             </a:r>
             <a:endParaRPr lang="ko-KR" altLang="en-US" dirty="0"/>
@@ -3510,7 +3510,7 @@
           <p:cNvPr id="36" name="사각형: 둥근 모서리 114">
             <a:extLst>
               <a:ext uri="{FF2B5EF4-FFF2-40B4-BE49-F238E27FC236}">
-                <a16:creationId xmlns="" xmlns:a16="http://schemas.microsoft.com/office/drawing/2014/main" id="{DCA7D749-2EE3-4CE1-AE59-AB4D083D44DB}"/>
+                <a16:creationId xmlns:a16="http://schemas.microsoft.com/office/drawing/2014/main" id="{DCA7D749-2EE3-4CE1-AE59-AB4D083D44DB}"/>
               </a:ext>
             </a:extLst>
           </p:cNvPr>
@@ -3519,8 +3519,8 @@
         </p:nvSpPr>
         <p:spPr>
           <a:xfrm>
-            <a:off x="3306088" y="1131590"/>
-            <a:ext cx="2634064" cy="360040"/>
+            <a:off x="3234082" y="1131590"/>
+            <a:ext cx="2778076" cy="360040"/>
           </a:xfrm>
           <a:prstGeom prst="roundRect">
             <a:avLst>
@@ -3548,7 +3548,7 @@
           <a:p>
             <a:pPr algn="ctr"/>
             <a:r>
-              <a:rPr lang="en-US" altLang="ko-KR" sz="1400" dirty="0" smtClean="0"/>
+              <a:rPr lang="en-US" altLang="ko-KR" sz="1400" dirty="0"/>
               <a:t>Container Runtime</a:t>
             </a:r>
             <a:endParaRPr lang="ko-KR" altLang="en-US" sz="1400" b="1" dirty="0">
@@ -3566,7 +3566,7 @@
           <p:cNvPr id="37" name="사각형: 둥근 모서리 114">
             <a:extLst>
               <a:ext uri="{FF2B5EF4-FFF2-40B4-BE49-F238E27FC236}">
-                <a16:creationId xmlns="" xmlns:a16="http://schemas.microsoft.com/office/drawing/2014/main" id="{DCA7D749-2EE3-4CE1-AE59-AB4D083D44DB}"/>
+                <a16:creationId xmlns:a16="http://schemas.microsoft.com/office/drawing/2014/main" id="{DCA7D749-2EE3-4CE1-AE59-AB4D083D44DB}"/>
               </a:ext>
             </a:extLst>
           </p:cNvPr>
@@ -3575,8 +3575,8 @@
         </p:nvSpPr>
         <p:spPr>
           <a:xfrm>
-            <a:off x="3306088" y="1779662"/>
-            <a:ext cx="2634064" cy="1368152"/>
+            <a:off x="3234082" y="1779662"/>
+            <a:ext cx="2778076" cy="1368152"/>
           </a:xfrm>
           <a:prstGeom prst="roundRect">
             <a:avLst>
@@ -3604,17 +3604,17 @@
           <a:p>
             <a:pPr algn="ctr"/>
             <a:r>
-              <a:rPr lang="en-US" altLang="ko-KR" sz="1400" b="1" dirty="0" err="1" smtClean="0"/>
-              <a:t>CNI</a:t>
-            </a:r>
-            <a:endParaRPr lang="en-US" altLang="ko-KR" sz="1400" b="1" dirty="0" smtClean="0"/>
+              <a:rPr lang="en-US" altLang="ko-KR" sz="1400" b="1"/>
+              <a:t>Container Network Interface</a:t>
+            </a:r>
           </a:p>
           <a:p>
             <a:pPr algn="ctr"/>
             <a:r>
-              <a:rPr lang="en-US" altLang="ko-KR" sz="1400" dirty="0" smtClean="0"/>
-              <a:t>(Container Network Interface)</a:t>
-            </a:r>
+              <a:rPr lang="en-US" altLang="ko-KR" sz="1400"/>
+              <a:t>(CNI)</a:t>
+            </a:r>
+            <a:endParaRPr lang="en-US" altLang="ko-KR" sz="1400" dirty="0"/>
           </a:p>
         </p:txBody>
       </p:sp>
@@ -3623,7 +3623,7 @@
           <p:cNvPr id="38" name="사각형: 둥근 모서리 114">
             <a:extLst>
               <a:ext uri="{FF2B5EF4-FFF2-40B4-BE49-F238E27FC236}">
-                <a16:creationId xmlns="" xmlns:a16="http://schemas.microsoft.com/office/drawing/2014/main" id="{DCA7D749-2EE3-4CE1-AE59-AB4D083D44DB}"/>
+                <a16:creationId xmlns:a16="http://schemas.microsoft.com/office/drawing/2014/main" id="{DCA7D749-2EE3-4CE1-AE59-AB4D083D44DB}"/>
               </a:ext>
             </a:extLst>
           </p:cNvPr>
@@ -3661,14 +3661,14 @@
           <a:p>
             <a:pPr algn="ctr"/>
             <a:r>
-              <a:rPr lang="en-US" altLang="ko-KR" sz="1400" dirty="0" smtClean="0"/>
+              <a:rPr lang="en-US" altLang="ko-KR" sz="1400" dirty="0"/>
               <a:t>Loopback</a:t>
             </a:r>
           </a:p>
           <a:p>
             <a:pPr algn="ctr"/>
             <a:r>
-              <a:rPr lang="en-US" altLang="ko-KR" sz="1400" dirty="0" smtClean="0"/>
+              <a:rPr lang="en-US" altLang="ko-KR" sz="1400" dirty="0"/>
               <a:t>Plugin</a:t>
             </a:r>
           </a:p>
@@ -3679,7 +3679,7 @@
           <p:cNvPr id="39" name="사각형: 둥근 모서리 114">
             <a:extLst>
               <a:ext uri="{FF2B5EF4-FFF2-40B4-BE49-F238E27FC236}">
-                <a16:creationId xmlns="" xmlns:a16="http://schemas.microsoft.com/office/drawing/2014/main" id="{DCA7D749-2EE3-4CE1-AE59-AB4D083D44DB}"/>
+                <a16:creationId xmlns:a16="http://schemas.microsoft.com/office/drawing/2014/main" id="{DCA7D749-2EE3-4CE1-AE59-AB4D083D44DB}"/>
               </a:ext>
             </a:extLst>
           </p:cNvPr>
@@ -3718,14 +3718,10 @@
             <a:pPr algn="ctr"/>
             <a:r>
               <a:rPr lang="en-US" altLang="ko-KR" sz="1400" dirty="0" err="1"/>
-              <a:t>c</a:t>
-            </a:r>
-            <a:r>
-              <a:rPr lang="en-US" altLang="ko-KR" sz="1400" dirty="0" err="1" smtClean="0"/>
-              <a:t>onf</a:t>
-            </a:r>
-            <a:r>
-              <a:rPr lang="en-US" altLang="ko-KR" sz="1400" dirty="0" smtClean="0"/>
+              <a:t>conf</a:t>
+            </a:r>
+            <a:r>
+              <a:rPr lang="en-US" altLang="ko-KR" sz="1400" dirty="0"/>
               <a:t> File</a:t>
             </a:r>
           </a:p>
@@ -3736,7 +3732,7 @@
           <p:cNvPr id="40" name="사각형: 둥근 모서리 114">
             <a:extLst>
               <a:ext uri="{FF2B5EF4-FFF2-40B4-BE49-F238E27FC236}">
-                <a16:creationId xmlns="" xmlns:a16="http://schemas.microsoft.com/office/drawing/2014/main" id="{DCA7D749-2EE3-4CE1-AE59-AB4D083D44DB}"/>
+                <a16:creationId xmlns:a16="http://schemas.microsoft.com/office/drawing/2014/main" id="{DCA7D749-2EE3-4CE1-AE59-AB4D083D44DB}"/>
               </a:ext>
             </a:extLst>
           </p:cNvPr>
@@ -3774,14 +3770,14 @@
           <a:p>
             <a:pPr algn="ctr"/>
             <a:r>
-              <a:rPr lang="en-US" altLang="ko-KR" sz="1400" dirty="0" smtClean="0"/>
+              <a:rPr lang="en-US" altLang="ko-KR" sz="1400" dirty="0"/>
               <a:t>Plugin</a:t>
             </a:r>
           </a:p>
           <a:p>
             <a:pPr algn="ctr"/>
             <a:r>
-              <a:rPr lang="en-US" altLang="ko-KR" sz="1400" dirty="0" smtClean="0"/>
+              <a:rPr lang="en-US" altLang="ko-KR" sz="1400" dirty="0"/>
               <a:t>(Binary)</a:t>
             </a:r>
           </a:p>
@@ -3791,6 +3787,7 @@
         <p:nvCxnSpPr>
           <p:cNvPr id="4" name="직선 연결선 3"/>
           <p:cNvCxnSpPr>
+            <a:cxnSpLocks/>
             <a:stCxn id="36" idx="2"/>
             <a:endCxn id="37" idx="0"/>
           </p:cNvCxnSpPr>
@@ -3830,7 +3827,7 @@
           <p:cNvPr id="45" name="사각형: 둥근 모서리 114">
             <a:extLst>
               <a:ext uri="{FF2B5EF4-FFF2-40B4-BE49-F238E27FC236}">
-                <a16:creationId xmlns="" xmlns:a16="http://schemas.microsoft.com/office/drawing/2014/main" id="{DCA7D749-2EE3-4CE1-AE59-AB4D083D44DB}"/>
+                <a16:creationId xmlns:a16="http://schemas.microsoft.com/office/drawing/2014/main" id="{DCA7D749-2EE3-4CE1-AE59-AB4D083D44DB}"/>
               </a:ext>
             </a:extLst>
           </p:cNvPr>
@@ -3868,14 +3865,14 @@
           <a:p>
             <a:pPr algn="ctr"/>
             <a:r>
-              <a:rPr lang="en-US" altLang="ko-KR" sz="1400" dirty="0" smtClean="0"/>
+              <a:rPr lang="en-US" altLang="ko-KR" sz="1400" dirty="0"/>
               <a:t>Bridge</a:t>
             </a:r>
           </a:p>
           <a:p>
             <a:pPr algn="ctr"/>
             <a:r>
-              <a:rPr lang="en-US" altLang="ko-KR" sz="1400" dirty="0" smtClean="0"/>
+              <a:rPr lang="en-US" altLang="ko-KR" sz="1400" dirty="0"/>
               <a:t>Plugin</a:t>
             </a:r>
           </a:p>
@@ -3886,7 +3883,7 @@
           <p:cNvPr id="46" name="사각형: 둥근 모서리 114">
             <a:extLst>
               <a:ext uri="{FF2B5EF4-FFF2-40B4-BE49-F238E27FC236}">
-                <a16:creationId xmlns="" xmlns:a16="http://schemas.microsoft.com/office/drawing/2014/main" id="{DCA7D749-2EE3-4CE1-AE59-AB4D083D44DB}"/>
+                <a16:creationId xmlns:a16="http://schemas.microsoft.com/office/drawing/2014/main" id="{DCA7D749-2EE3-4CE1-AE59-AB4D083D44DB}"/>
               </a:ext>
             </a:extLst>
           </p:cNvPr>
@@ -3924,15 +3921,15 @@
           <a:p>
             <a:pPr algn="ctr"/>
             <a:r>
-              <a:rPr lang="en-US" altLang="ko-KR" sz="1400" dirty="0" err="1" smtClean="0"/>
+              <a:rPr lang="en-US" altLang="ko-KR" sz="1400" dirty="0" err="1"/>
               <a:t>Macvlan</a:t>
             </a:r>
-            <a:endParaRPr lang="en-US" altLang="ko-KR" sz="1400" dirty="0" smtClean="0"/>
+            <a:endParaRPr lang="en-US" altLang="ko-KR" sz="1400" dirty="0"/>
           </a:p>
           <a:p>
             <a:pPr algn="ctr"/>
             <a:r>
-              <a:rPr lang="en-US" altLang="ko-KR" sz="1400" dirty="0" smtClean="0"/>
+              <a:rPr lang="en-US" altLang="ko-KR" sz="1400" dirty="0"/>
               <a:t>Plugin</a:t>
             </a:r>
           </a:p>
@@ -3943,7 +3940,7 @@
           <p:cNvPr id="47" name="사각형: 둥근 모서리 114">
             <a:extLst>
               <a:ext uri="{FF2B5EF4-FFF2-40B4-BE49-F238E27FC236}">
-                <a16:creationId xmlns="" xmlns:a16="http://schemas.microsoft.com/office/drawing/2014/main" id="{DCA7D749-2EE3-4CE1-AE59-AB4D083D44DB}"/>
+                <a16:creationId xmlns:a16="http://schemas.microsoft.com/office/drawing/2014/main" id="{DCA7D749-2EE3-4CE1-AE59-AB4D083D44DB}"/>
               </a:ext>
             </a:extLst>
           </p:cNvPr>
@@ -3981,15 +3978,15 @@
           <a:p>
             <a:pPr algn="ctr"/>
             <a:r>
-              <a:rPr lang="en-US" altLang="ko-KR" sz="1400" dirty="0" err="1" smtClean="0"/>
+              <a:rPr lang="en-US" altLang="ko-KR" sz="1400" dirty="0" err="1"/>
               <a:t>IPvlan</a:t>
             </a:r>
-            <a:endParaRPr lang="en-US" altLang="ko-KR" sz="1400" dirty="0" smtClean="0"/>
+            <a:endParaRPr lang="en-US" altLang="ko-KR" sz="1400" dirty="0"/>
           </a:p>
           <a:p>
             <a:pPr algn="ctr"/>
             <a:r>
-              <a:rPr lang="en-US" altLang="ko-KR" sz="1400" dirty="0" smtClean="0"/>
+              <a:rPr lang="en-US" altLang="ko-KR" sz="1400" dirty="0"/>
               <a:t>Plugin</a:t>
             </a:r>
           </a:p>
@@ -4000,7 +3997,7 @@
           <p:cNvPr id="48" name="사각형: 둥근 모서리 114">
             <a:extLst>
               <a:ext uri="{FF2B5EF4-FFF2-40B4-BE49-F238E27FC236}">
-                <a16:creationId xmlns="" xmlns:a16="http://schemas.microsoft.com/office/drawing/2014/main" id="{DCA7D749-2EE3-4CE1-AE59-AB4D083D44DB}"/>
+                <a16:creationId xmlns:a16="http://schemas.microsoft.com/office/drawing/2014/main" id="{DCA7D749-2EE3-4CE1-AE59-AB4D083D44DB}"/>
               </a:ext>
             </a:extLst>
           </p:cNvPr>
@@ -4038,14 +4035,14 @@
           <a:p>
             <a:pPr algn="ctr"/>
             <a:r>
-              <a:rPr lang="en-US" altLang="ko-KR" sz="1400" dirty="0" smtClean="0"/>
+              <a:rPr lang="en-US" altLang="ko-KR" sz="1400" dirty="0"/>
               <a:t>Third-party</a:t>
             </a:r>
           </a:p>
           <a:p>
             <a:pPr algn="ctr"/>
             <a:r>
-              <a:rPr lang="en-US" altLang="ko-KR" sz="1400" dirty="0" smtClean="0"/>
+              <a:rPr lang="en-US" altLang="ko-KR" sz="1400" dirty="0"/>
               <a:t>Plugin</a:t>
             </a:r>
           </a:p>
@@ -4055,6 +4052,7 @@
         <p:nvCxnSpPr>
           <p:cNvPr id="49" name="직선 연결선 48"/>
           <p:cNvCxnSpPr>
+            <a:cxnSpLocks/>
             <a:stCxn id="37" idx="2"/>
             <a:endCxn id="38" idx="0"/>
           </p:cNvCxnSpPr>
@@ -4093,6 +4091,7 @@
         <p:nvCxnSpPr>
           <p:cNvPr id="52" name="직선 연결선 51"/>
           <p:cNvCxnSpPr>
+            <a:cxnSpLocks/>
             <a:stCxn id="37" idx="2"/>
             <a:endCxn id="45" idx="0"/>
           </p:cNvCxnSpPr>
@@ -4131,6 +4130,7 @@
         <p:nvCxnSpPr>
           <p:cNvPr id="55" name="직선 연결선 54"/>
           <p:cNvCxnSpPr>
+            <a:cxnSpLocks/>
             <a:stCxn id="37" idx="2"/>
             <a:endCxn id="46" idx="0"/>
           </p:cNvCxnSpPr>
@@ -4206,6 +4206,7 @@
         <p:nvCxnSpPr>
           <p:cNvPr id="61" name="직선 연결선 60"/>
           <p:cNvCxnSpPr>
+            <a:cxnSpLocks/>
             <a:stCxn id="37" idx="2"/>
             <a:endCxn id="48" idx="0"/>
           </p:cNvCxnSpPr>
